--- a/Docs/Presentation.pptx
+++ b/Docs/Presentation.pptx
@@ -21,9 +21,9 @@
     <p:sldId id="394" r:id="rId18"/>
     <p:sldId id="398" r:id="rId19"/>
     <p:sldId id="395" r:id="rId20"/>
-    <p:sldId id="396" r:id="rId21"/>
+    <p:sldId id="411" r:id="rId21"/>
     <p:sldId id="397" r:id="rId22"/>
-    <p:sldId id="399" r:id="rId23"/>
+    <p:sldId id="412" r:id="rId23"/>
     <p:sldId id="400" r:id="rId24"/>
     <p:sldId id="401" r:id="rId25"/>
     <p:sldId id="403" r:id="rId26"/>
@@ -215,7 +215,17 @@
     </c:title>
     <c:autoTitleDeleted val="0"/>
     <c:plotArea>
-      <c:layout/>
+      <c:layout>
+        <c:manualLayout>
+          <c:layoutTarget val="inner"/>
+          <c:xMode val="edge"/>
+          <c:yMode val="edge"/>
+          <c:x val="4.1814780867798405E-2"/>
+          <c:y val="9.0416767641430515E-2"/>
+          <c:w val="0.92176415599973005"/>
+          <c:h val="0.79945213309266694"/>
+        </c:manualLayout>
+      </c:layout>
       <c:barChart>
         <c:barDir val="col"/>
         <c:grouping val="clustered"/>
@@ -1417,7 +1427,7 @@
           <a:p>
             <a:fld id="{9184DA70-C731-4C70-880D-CCD4705E623C}" type="datetime1">
               <a:rPr lang="en-US" smtClean="0"/>
-              <a:t>09-Dec-20</a:t>
+              <a:t>08-Dec-21</a:t>
             </a:fld>
             <a:endParaRPr lang="en-US" dirty="0"/>
           </a:p>
@@ -1954,7 +1964,7 @@
           <a:p>
             <a:fld id="{4EDE50D6-574B-40AF-946F-D52A04ADE379}" type="datetime1">
               <a:rPr lang="en-US" smtClean="0"/>
-              <a:t>09-Dec-20</a:t>
+              <a:t>08-Dec-21</a:t>
             </a:fld>
             <a:endParaRPr lang="en-US" dirty="0"/>
           </a:p>
@@ -2720,7 +2730,7 @@
           <a:p>
             <a:fld id="{4BE1D723-8F53-4F53-90B0-1982A396982E}" type="datetime1">
               <a:rPr lang="en-US" smtClean="0"/>
-              <a:t>09-Dec-20</a:t>
+              <a:t>08-Dec-21</a:t>
             </a:fld>
             <a:endParaRPr lang="en-US" dirty="0"/>
           </a:p>
@@ -3417,7 +3427,7 @@
           <a:p>
             <a:fld id="{4BE1D723-8F53-4F53-90B0-1982A396982E}" type="datetime1">
               <a:rPr lang="en-US" smtClean="0"/>
-              <a:t>09-Dec-20</a:t>
+              <a:t>08-Dec-21</a:t>
             </a:fld>
             <a:endParaRPr lang="en-US" dirty="0"/>
           </a:p>
@@ -4493,7 +4503,7 @@
           <a:p>
             <a:fld id="{97669AF7-7BEB-44E4-9852-375E34362B5B}" type="datetime1">
               <a:rPr lang="en-US" smtClean="0"/>
-              <a:t>09-Dec-20</a:t>
+              <a:t>08-Dec-21</a:t>
             </a:fld>
             <a:endParaRPr lang="en-US" dirty="0"/>
           </a:p>
@@ -5321,7 +5331,7 @@
           <a:p>
             <a:fld id="{BAAAC38D-0552-4C82-B593-E6124DFADBE2}" type="datetime1">
               <a:rPr lang="en-US" smtClean="0"/>
-              <a:t>09-Dec-20</a:t>
+              <a:t>08-Dec-21</a:t>
             </a:fld>
             <a:endParaRPr lang="en-US" dirty="0"/>
           </a:p>
@@ -6274,7 +6284,7 @@
           <a:p>
             <a:fld id="{D9DF0F1C-5577-4ACB-BB62-DF8F3C494C7E}" type="datetime1">
               <a:rPr lang="en-US" smtClean="0"/>
-              <a:t>09-Dec-20</a:t>
+              <a:t>08-Dec-21</a:t>
             </a:fld>
             <a:endParaRPr lang="en-US" dirty="0"/>
           </a:p>
@@ -6971,7 +6981,7 @@
           <a:p>
             <a:fld id="{1775B394-D9F9-4F0C-B15D-605F45CB9E9F}" type="datetime1">
               <a:rPr lang="en-US" smtClean="0"/>
-              <a:t>09-Dec-20</a:t>
+              <a:t>08-Dec-21</a:t>
             </a:fld>
             <a:endParaRPr lang="en-US" dirty="0"/>
           </a:p>
@@ -7668,7 +7678,7 @@
           <a:p>
             <a:fld id="{1775B394-D9F9-4F0C-B15D-605F45CB9E9F}" type="datetime1">
               <a:rPr lang="en-US" smtClean="0"/>
-              <a:t>09-Dec-20</a:t>
+              <a:t>08-Dec-21</a:t>
             </a:fld>
             <a:endParaRPr lang="en-US" dirty="0"/>
           </a:p>
@@ -8374,7 +8384,7 @@
           <a:p>
             <a:fld id="{39667345-2558-425A-8533-9BFDBCE15005}" type="datetime1">
               <a:rPr lang="en-US" smtClean="0"/>
-              <a:t>09-Dec-20</a:t>
+              <a:t>08-Dec-21</a:t>
             </a:fld>
             <a:endParaRPr lang="en-US" dirty="0"/>
           </a:p>
@@ -8597,7 +8607,7 @@
           <a:p>
             <a:fld id="{62D6E202-B606-4609-B914-27C9371A1F6D}" type="datetime1">
               <a:rPr lang="en-US" smtClean="0"/>
-              <a:t>09-Dec-20</a:t>
+              <a:t>08-Dec-21</a:t>
             </a:fld>
             <a:endParaRPr lang="en-US" dirty="0"/>
           </a:p>
@@ -10262,10 +10272,10 @@
       </p:sp>
       <p:pic>
         <p:nvPicPr>
-          <p:cNvPr id="1026" name="Picture 2">
-            <a:extLst>
-              <a:ext uri="{FF2B5EF4-FFF2-40B4-BE49-F238E27FC236}">
-                <a16:creationId xmlns:a16="http://schemas.microsoft.com/office/drawing/2014/main" id="{23BAB0BB-637B-4FA7-92DF-24354F85370B}"/>
+          <p:cNvPr id="2" name="Picture 2">
+            <a:extLst>
+              <a:ext uri="{FF2B5EF4-FFF2-40B4-BE49-F238E27FC236}">
+                <a16:creationId xmlns:a16="http://schemas.microsoft.com/office/drawing/2014/main" id="{EB340398-AE9A-4823-882D-33FA21120730}"/>
               </a:ext>
             </a:extLst>
           </p:cNvPr>
@@ -10274,7 +10284,7 @@
           </p:cNvPicPr>
           <p:nvPr/>
         </p:nvPicPr>
-        <p:blipFill>
+        <p:blipFill rotWithShape="1">
           <a:blip r:embed="rId2">
             <a:extLst>
               <a:ext uri="{28A0092B-C50C-407E-A947-70E740481C1C}">
@@ -10282,15 +10292,13 @@
               </a:ext>
             </a:extLst>
           </a:blip>
-          <a:srcRect/>
-          <a:stretch>
-            <a:fillRect/>
-          </a:stretch>
+          <a:srcRect r="12033" b="7289"/>
+          <a:stretch/>
         </p:blipFill>
         <p:spPr bwMode="auto">
           <a:xfrm>
-            <a:off x="2637741" y="1381125"/>
-            <a:ext cx="7049452" cy="5476875"/>
+            <a:off x="3234745" y="703645"/>
+            <a:ext cx="5613842" cy="6287465"/>
           </a:xfrm>
           <a:prstGeom prst="rect">
             <a:avLst/>
@@ -10310,7 +10318,7 @@
     </p:spTree>
     <p:extLst>
       <p:ext uri="{BB962C8B-B14F-4D97-AF65-F5344CB8AC3E}">
-        <p14:creationId xmlns:p14="http://schemas.microsoft.com/office/powerpoint/2010/main" val="153123325"/>
+        <p14:creationId xmlns:p14="http://schemas.microsoft.com/office/powerpoint/2010/main" val="3405139345"/>
       </p:ext>
     </p:extLst>
   </p:cSld>
@@ -10532,10 +10540,10 @@
       </p:sp>
       <p:pic>
         <p:nvPicPr>
-          <p:cNvPr id="2050" name="Picture 2">
-            <a:extLst>
-              <a:ext uri="{FF2B5EF4-FFF2-40B4-BE49-F238E27FC236}">
-                <a16:creationId xmlns:a16="http://schemas.microsoft.com/office/drawing/2014/main" id="{799FFE31-992A-40D4-9BDD-F54E45F10D60}"/>
+          <p:cNvPr id="2" name="Picture 2">
+            <a:extLst>
+              <a:ext uri="{FF2B5EF4-FFF2-40B4-BE49-F238E27FC236}">
+                <a16:creationId xmlns:a16="http://schemas.microsoft.com/office/drawing/2014/main" id="{3C097A7F-E8F2-4DCC-B09B-17E1EC36F466}"/>
               </a:ext>
             </a:extLst>
           </p:cNvPr>
@@ -10544,7 +10552,7 @@
           </p:cNvPicPr>
           <p:nvPr/>
         </p:nvPicPr>
-        <p:blipFill>
+        <p:blipFill rotWithShape="1">
           <a:blip r:embed="rId2">
             <a:extLst>
               <a:ext uri="{28A0092B-C50C-407E-A947-70E740481C1C}">
@@ -10552,15 +10560,13 @@
               </a:ext>
             </a:extLst>
           </a:blip>
-          <a:srcRect/>
-          <a:stretch>
-            <a:fillRect/>
-          </a:stretch>
+          <a:srcRect r="12123" b="6692"/>
+          <a:stretch/>
         </p:blipFill>
         <p:spPr bwMode="auto">
           <a:xfrm>
-            <a:off x="2628921" y="1381125"/>
-            <a:ext cx="6825490" cy="5476875"/>
+            <a:off x="3101895" y="593684"/>
+            <a:ext cx="5608055" cy="6327976"/>
           </a:xfrm>
           <a:prstGeom prst="rect">
             <a:avLst/>
@@ -10580,7 +10586,7 @@
     </p:spTree>
     <p:extLst>
       <p:ext uri="{BB962C8B-B14F-4D97-AF65-F5344CB8AC3E}">
-        <p14:creationId xmlns:p14="http://schemas.microsoft.com/office/powerpoint/2010/main" val="2607592530"/>
+        <p14:creationId xmlns:p14="http://schemas.microsoft.com/office/powerpoint/2010/main" val="3962559979"/>
       </p:ext>
     </p:extLst>
   </p:cSld>
@@ -12530,8 +12536,8 @@
         </p:nvSpPr>
         <p:spPr>
           <a:xfrm>
-            <a:off x="861804" y="781879"/>
-            <a:ext cx="10601326" cy="5830956"/>
+            <a:off x="861804" y="881269"/>
+            <a:ext cx="10601326" cy="5731565"/>
           </a:xfrm>
           <a:solidFill>
             <a:schemeClr val="bg1"/>
@@ -12582,8 +12588,8 @@
         </p:blipFill>
         <p:spPr bwMode="auto">
           <a:xfrm>
-            <a:off x="2246243" y="1126435"/>
-            <a:ext cx="7699514" cy="5731565"/>
+            <a:off x="2587319" y="1306745"/>
+            <a:ext cx="7017362" cy="5503762"/>
           </a:xfrm>
           <a:prstGeom prst="rect">
             <a:avLst/>
@@ -12687,8 +12693,8 @@
         </p:nvSpPr>
         <p:spPr>
           <a:xfrm>
-            <a:off x="861804" y="980661"/>
-            <a:ext cx="9965222" cy="5632173"/>
+            <a:off x="861804" y="1383175"/>
+            <a:ext cx="9144510" cy="5229659"/>
           </a:xfrm>
           <a:solidFill>
             <a:schemeClr val="bg1"/>
@@ -12741,14 +12747,14 @@
           <p:nvPr>
             <p:extLst>
               <p:ext uri="{D42A27DB-BD31-4B8C-83A1-F6EECF244321}">
-                <p14:modId xmlns:p14="http://schemas.microsoft.com/office/powerpoint/2010/main" val="107569956"/>
+                <p14:modId xmlns:p14="http://schemas.microsoft.com/office/powerpoint/2010/main" val="695405028"/>
               </p:ext>
             </p:extLst>
           </p:nvPr>
         </p:nvGraphicFramePr>
         <p:xfrm>
-          <a:off x="728870" y="881270"/>
-          <a:ext cx="10601326" cy="5731563"/>
+          <a:off x="1214209" y="1232704"/>
+          <a:ext cx="9763581" cy="5339618"/>
         </p:xfrm>
         <a:graphic>
           <a:graphicData uri="http://schemas.openxmlformats.org/drawingml/2006/chart">
@@ -13997,21 +14003,21 @@
 </file>
 
 <file path=customXml/item1.xml><?xml version="1.0" encoding="utf-8"?>
+<?mso-contentType ?>
+<FormTemplates xmlns="http://schemas.microsoft.com/sharepoint/v3/contenttype/forms">
+  <Display>DocumentLibraryForm</Display>
+  <Edit>DocumentLibraryForm</Edit>
+  <New>DocumentLibraryForm</New>
+</FormTemplates>
+</file>
+
+<file path=customXml/item2.xml><?xml version="1.0" encoding="utf-8"?>
 <p:properties xmlns:p="http://schemas.microsoft.com/office/2006/metadata/properties" xmlns:xsi="http://www.w3.org/2001/XMLSchema-instance" xmlns:pc="http://schemas.microsoft.com/office/infopath/2007/PartnerControls">
   <documentManagement>
     <Status xmlns="71af3243-3dd4-4a8d-8c0d-dd76da1f02a5">Not started</Status>
     <MediaServiceKeyPoints xmlns="71af3243-3dd4-4a8d-8c0d-dd76da1f02a5" xsi:nil="true"/>
   </documentManagement>
 </p:properties>
-</file>
-
-<file path=customXml/item2.xml><?xml version="1.0" encoding="utf-8"?>
-<?mso-contentType ?>
-<FormTemplates xmlns="http://schemas.microsoft.com/sharepoint/v3/contenttype/forms">
-  <Display>DocumentLibraryForm</Display>
-  <Edit>DocumentLibraryForm</Edit>
-  <New>DocumentLibraryForm</New>
-</FormTemplates>
 </file>
 
 <file path=customXml/item3.xml><?xml version="1.0" encoding="utf-8"?>
@@ -14236,19 +14242,19 @@
 </file>
 
 <file path=customXml/itemProps1.xml><?xml version="1.0" encoding="utf-8"?>
+<ds:datastoreItem xmlns:ds="http://schemas.openxmlformats.org/officeDocument/2006/customXml" ds:itemID="{6A7FA506-1E93-4CA4-B270-1F08FD18C366}">
+  <ds:schemaRefs>
+    <ds:schemaRef ds:uri="http://schemas.microsoft.com/sharepoint/v3/contenttype/forms"/>
+  </ds:schemaRefs>
+</ds:datastoreItem>
+</file>
+
+<file path=customXml/itemProps2.xml><?xml version="1.0" encoding="utf-8"?>
 <ds:datastoreItem xmlns:ds="http://schemas.openxmlformats.org/officeDocument/2006/customXml" ds:itemID="{38F4328E-77DF-41E8-952F-124AE19F1F7C}">
   <ds:schemaRefs>
     <ds:schemaRef ds:uri="http://schemas.microsoft.com/office/2006/metadata/properties"/>
     <ds:schemaRef ds:uri="http://schemas.microsoft.com/office/infopath/2007/PartnerControls"/>
     <ds:schemaRef ds:uri="71af3243-3dd4-4a8d-8c0d-dd76da1f02a5"/>
-  </ds:schemaRefs>
-</ds:datastoreItem>
-</file>
-
-<file path=customXml/itemProps2.xml><?xml version="1.0" encoding="utf-8"?>
-<ds:datastoreItem xmlns:ds="http://schemas.openxmlformats.org/officeDocument/2006/customXml" ds:itemID="{6A7FA506-1E93-4CA4-B270-1F08FD18C366}">
-  <ds:schemaRefs>
-    <ds:schemaRef ds:uri="http://schemas.microsoft.com/sharepoint/v3/contenttype/forms"/>
   </ds:schemaRefs>
 </ds:datastoreItem>
 </file>
